--- a/WebRTC_2min_Horizontal.pptx
+++ b/WebRTC_2min_Horizontal.pptx
@@ -104,6 +104,11 @@
       </a:defRPr>
     </a:lvl9pPr>
   </p:defaultTextStyle>
+  <p:extLst>
+    <p:ext uri="{EFAFB233-063F-42B5-8137-9DF3F51BA10A}">
+      <p15:sldGuideLst xmlns:p15="http://schemas.microsoft.com/office/powerpoint/2012/main"/>
+    </p:ext>
+  </p:extLst>
 </p:presentation>
 </file>
 
@@ -2972,36 +2977,6 @@
           <a:chExt cx="0" cy="0"/>
         </a:xfrm>
       </p:grpSpPr>
-      <p:pic>
-        <p:nvPicPr>
-          <p:cNvPr id="5" name="Picture 4"/>
-          <p:cNvPicPr>
-            <a:picLocks noChangeAspect="1"/>
-          </p:cNvPicPr>
-          <p:nvPr/>
-        </p:nvPicPr>
-        <p:blipFill>
-          <a:blip r:embed="rId2" cstate="print">
-            <a:extLst>
-              <a:ext uri="{28A0092B-C50C-407E-A947-70E740481C1C}">
-                <a14:useLocalDpi xmlns:a14="http://schemas.microsoft.com/office/drawing/2010/main" val="0"/>
-              </a:ext>
-            </a:extLst>
-          </a:blip>
-          <a:stretch>
-            <a:fillRect/>
-          </a:stretch>
-        </p:blipFill>
-        <p:spPr>
-          <a:xfrm>
-            <a:off x="10179343" y="184657"/>
-            <a:ext cx="1787695" cy="518398"/>
-          </a:xfrm>
-          <a:prstGeom prst="rect">
-            <a:avLst/>
-          </a:prstGeom>
-        </p:spPr>
-      </p:pic>
       <p:grpSp>
         <p:nvGrpSpPr>
           <p:cNvPr id="10" name="Group 9"/>
@@ -3151,7 +3126,7 @@
           <p:nvPr/>
         </p:nvPicPr>
         <p:blipFill>
-          <a:blip r:embed="rId3" cstate="print">
+          <a:blip r:embed="rId2" cstate="print">
             <a:extLst>
               <a:ext uri="{28A0092B-C50C-407E-A947-70E740481C1C}">
                 <a14:useLocalDpi xmlns:a14="http://schemas.microsoft.com/office/drawing/2010/main" val="0"/>
@@ -3632,7 +3607,7 @@
           <p:nvPr/>
         </p:nvPicPr>
         <p:blipFill rotWithShape="1">
-          <a:blip r:embed="rId4" cstate="print">
+          <a:blip r:embed="rId3" cstate="print">
             <a:extLst>
               <a:ext uri="{28A0092B-C50C-407E-A947-70E740481C1C}">
                 <a14:useLocalDpi xmlns:a14="http://schemas.microsoft.com/office/drawing/2010/main" val="0"/>
@@ -3665,7 +3640,7 @@
           <p:nvPr/>
         </p:nvPicPr>
         <p:blipFill rotWithShape="1">
-          <a:blip r:embed="rId5" cstate="print">
+          <a:blip r:embed="rId4" cstate="print">
             <a:extLst>
               <a:ext uri="{28A0092B-C50C-407E-A947-70E740481C1C}">
                 <a14:useLocalDpi xmlns:a14="http://schemas.microsoft.com/office/drawing/2010/main" val="0"/>
@@ -3854,6 +3829,36 @@
           </a:p>
         </p:txBody>
       </p:sp>
+      <p:pic>
+        <p:nvPicPr>
+          <p:cNvPr id="2" name="Picture 1"/>
+          <p:cNvPicPr>
+            <a:picLocks noChangeAspect="1"/>
+          </p:cNvPicPr>
+          <p:nvPr/>
+        </p:nvPicPr>
+        <p:blipFill>
+          <a:blip r:embed="rId5" cstate="print">
+            <a:extLst>
+              <a:ext uri="{28A0092B-C50C-407E-A947-70E740481C1C}">
+                <a14:useLocalDpi xmlns:a14="http://schemas.microsoft.com/office/drawing/2010/main" val="0"/>
+              </a:ext>
+            </a:extLst>
+          </a:blip>
+          <a:stretch>
+            <a:fillRect/>
+          </a:stretch>
+        </p:blipFill>
+        <p:spPr>
+          <a:xfrm>
+            <a:off x="10219963" y="175466"/>
+            <a:ext cx="1784461" cy="516905"/>
+          </a:xfrm>
+          <a:prstGeom prst="rect">
+            <a:avLst/>
+          </a:prstGeom>
+        </p:spPr>
+      </p:pic>
     </p:spTree>
     <p:extLst>
       <p:ext uri="{BB962C8B-B14F-4D97-AF65-F5344CB8AC3E}">

--- a/WebRTC_2min_Horizontal.pptx
+++ b/WebRTC_2min_Horizontal.pptx
@@ -3008,6 +3008,11 @@
             <a:solidFill>
               <a:srgbClr val="323232"/>
             </a:solidFill>
+            <a:ln>
+              <a:solidFill>
+                <a:srgbClr val="323232"/>
+              </a:solidFill>
+            </a:ln>
           </p:spPr>
           <p:style>
             <a:lnRef idx="2">

--- a/WebRTC_2min_Horizontal.pptx
+++ b/WebRTC_2min_Horizontal.pptx
@@ -243,7 +243,7 @@
           <a:p>
             <a:fld id="{FFB951B1-917A-417B-A4BF-C385CE2B89CF}" type="datetimeFigureOut">
               <a:rPr lang="en-GB" smtClean="0"/>
-              <a:t>21/01/2015</a:t>
+              <a:t>27/01/2015</a:t>
             </a:fld>
             <a:endParaRPr lang="en-GB"/>
           </a:p>
@@ -413,7 +413,7 @@
           <a:p>
             <a:fld id="{FFB951B1-917A-417B-A4BF-C385CE2B89CF}" type="datetimeFigureOut">
               <a:rPr lang="en-GB" smtClean="0"/>
-              <a:t>21/01/2015</a:t>
+              <a:t>27/01/2015</a:t>
             </a:fld>
             <a:endParaRPr lang="en-GB"/>
           </a:p>
@@ -593,7 +593,7 @@
           <a:p>
             <a:fld id="{FFB951B1-917A-417B-A4BF-C385CE2B89CF}" type="datetimeFigureOut">
               <a:rPr lang="en-GB" smtClean="0"/>
-              <a:t>21/01/2015</a:t>
+              <a:t>27/01/2015</a:t>
             </a:fld>
             <a:endParaRPr lang="en-GB"/>
           </a:p>
@@ -763,7 +763,7 @@
           <a:p>
             <a:fld id="{FFB951B1-917A-417B-A4BF-C385CE2B89CF}" type="datetimeFigureOut">
               <a:rPr lang="en-GB" smtClean="0"/>
-              <a:t>21/01/2015</a:t>
+              <a:t>27/01/2015</a:t>
             </a:fld>
             <a:endParaRPr lang="en-GB"/>
           </a:p>
@@ -1009,7 +1009,7 @@
           <a:p>
             <a:fld id="{FFB951B1-917A-417B-A4BF-C385CE2B89CF}" type="datetimeFigureOut">
               <a:rPr lang="en-GB" smtClean="0"/>
-              <a:t>21/01/2015</a:t>
+              <a:t>27/01/2015</a:t>
             </a:fld>
             <a:endParaRPr lang="en-GB"/>
           </a:p>
@@ -1241,7 +1241,7 @@
           <a:p>
             <a:fld id="{FFB951B1-917A-417B-A4BF-C385CE2B89CF}" type="datetimeFigureOut">
               <a:rPr lang="en-GB" smtClean="0"/>
-              <a:t>21/01/2015</a:t>
+              <a:t>27/01/2015</a:t>
             </a:fld>
             <a:endParaRPr lang="en-GB"/>
           </a:p>
@@ -1608,7 +1608,7 @@
           <a:p>
             <a:fld id="{FFB951B1-917A-417B-A4BF-C385CE2B89CF}" type="datetimeFigureOut">
               <a:rPr lang="en-GB" smtClean="0"/>
-              <a:t>21/01/2015</a:t>
+              <a:t>27/01/2015</a:t>
             </a:fld>
             <a:endParaRPr lang="en-GB"/>
           </a:p>
@@ -1726,7 +1726,7 @@
           <a:p>
             <a:fld id="{FFB951B1-917A-417B-A4BF-C385CE2B89CF}" type="datetimeFigureOut">
               <a:rPr lang="en-GB" smtClean="0"/>
-              <a:t>21/01/2015</a:t>
+              <a:t>27/01/2015</a:t>
             </a:fld>
             <a:endParaRPr lang="en-GB"/>
           </a:p>
@@ -1821,7 +1821,7 @@
           <a:p>
             <a:fld id="{FFB951B1-917A-417B-A4BF-C385CE2B89CF}" type="datetimeFigureOut">
               <a:rPr lang="en-GB" smtClean="0"/>
-              <a:t>21/01/2015</a:t>
+              <a:t>27/01/2015</a:t>
             </a:fld>
             <a:endParaRPr lang="en-GB"/>
           </a:p>
@@ -2098,7 +2098,7 @@
           <a:p>
             <a:fld id="{FFB951B1-917A-417B-A4BF-C385CE2B89CF}" type="datetimeFigureOut">
               <a:rPr lang="en-GB" smtClean="0"/>
-              <a:t>21/01/2015</a:t>
+              <a:t>27/01/2015</a:t>
             </a:fld>
             <a:endParaRPr lang="en-GB"/>
           </a:p>
@@ -2351,7 +2351,7 @@
           <a:p>
             <a:fld id="{FFB951B1-917A-417B-A4BF-C385CE2B89CF}" type="datetimeFigureOut">
               <a:rPr lang="en-GB" smtClean="0"/>
-              <a:t>21/01/2015</a:t>
+              <a:t>27/01/2015</a:t>
             </a:fld>
             <a:endParaRPr lang="en-GB"/>
           </a:p>
@@ -2564,7 +2564,7 @@
           <a:p>
             <a:fld id="{FFB951B1-917A-417B-A4BF-C385CE2B89CF}" type="datetimeFigureOut">
               <a:rPr lang="en-GB" smtClean="0"/>
-              <a:t>21/01/2015</a:t>
+              <a:t>27/01/2015</a:t>
             </a:fld>
             <a:endParaRPr lang="en-GB"/>
           </a:p>
@@ -2985,7 +2985,7 @@
         </p:nvGrpSpPr>
         <p:grpSpPr>
           <a:xfrm>
-            <a:off x="-201879" y="-266441"/>
+            <a:off x="-150509" y="-266441"/>
             <a:ext cx="5159023" cy="2231718"/>
             <a:chOff x="-146756" y="-197651"/>
             <a:chExt cx="5159023" cy="2231718"/>
@@ -3144,8 +3144,8 @@
         </p:blipFill>
         <p:spPr>
           <a:xfrm>
-            <a:off x="113147" y="2166809"/>
-            <a:ext cx="6577253" cy="3282957"/>
+            <a:off x="338500" y="2330364"/>
+            <a:ext cx="5613914" cy="2802118"/>
           </a:xfrm>
           <a:prstGeom prst="rect">
             <a:avLst/>
@@ -3160,10 +3160,10 @@
         </p:nvGrpSpPr>
         <p:grpSpPr>
           <a:xfrm>
-            <a:off x="6623731" y="2327678"/>
-            <a:ext cx="5530980" cy="2906645"/>
+            <a:off x="6327516" y="2330364"/>
+            <a:ext cx="5543804" cy="2906645"/>
             <a:chOff x="6623731" y="2293811"/>
-            <a:chExt cx="5530980" cy="2906645"/>
+            <a:chExt cx="5543804" cy="2906645"/>
           </a:xfrm>
         </p:grpSpPr>
         <p:grpSp>
@@ -3393,9 +3393,9 @@
           <p:grpSpPr>
             <a:xfrm>
               <a:off x="6623731" y="3616021"/>
-              <a:ext cx="5530980" cy="923330"/>
+              <a:ext cx="5543804" cy="923330"/>
               <a:chOff x="6967726" y="2047423"/>
-              <a:chExt cx="5530980" cy="923330"/>
+              <a:chExt cx="5543804" cy="923330"/>
             </a:xfrm>
           </p:grpSpPr>
           <p:sp>
@@ -3447,7 +3447,7 @@
             <p:spPr>
               <a:xfrm>
                 <a:off x="9347202" y="2171678"/>
-                <a:ext cx="3151504" cy="646331"/>
+                <a:ext cx="3164328" cy="646331"/>
               </a:xfrm>
               <a:prstGeom prst="rect">
                 <a:avLst/>
@@ -3468,7 +3468,27 @@
                     <a:latin typeface="Arial" panose="020B0604020202020204" pitchFamily="34" charset="0"/>
                     <a:cs typeface="Arial" panose="020B0604020202020204" pitchFamily="34" charset="0"/>
                   </a:rPr>
-                  <a:t>user experience on WebRTC</a:t>
+                  <a:t>user experience </a:t>
+                </a:r>
+                <a:r>
+                  <a:rPr lang="en-GB" dirty="0" smtClean="0">
+                    <a:solidFill>
+                      <a:srgbClr val="323232"/>
+                    </a:solidFill>
+                    <a:latin typeface="Arial" panose="020B0604020202020204" pitchFamily="34" charset="0"/>
+                    <a:cs typeface="Arial" panose="020B0604020202020204" pitchFamily="34" charset="0"/>
+                  </a:rPr>
+                  <a:t>for </a:t>
+                </a:r>
+                <a:r>
+                  <a:rPr lang="en-GB" dirty="0" smtClean="0">
+                    <a:solidFill>
+                      <a:srgbClr val="323232"/>
+                    </a:solidFill>
+                    <a:latin typeface="Arial" panose="020B0604020202020204" pitchFamily="34" charset="0"/>
+                    <a:cs typeface="Arial" panose="020B0604020202020204" pitchFamily="34" charset="0"/>
+                  </a:rPr>
+                  <a:t>WebRTC</a:t>
                 </a:r>
               </a:p>
               <a:p>
@@ -3603,240 +3623,255 @@
           </p:sp>
         </p:grpSp>
       </p:grpSp>
-      <p:pic>
-        <p:nvPicPr>
-          <p:cNvPr id="28" name="Picture 27"/>
-          <p:cNvPicPr>
-            <a:picLocks noChangeAspect="1"/>
-          </p:cNvPicPr>
+      <p:grpSp>
+        <p:nvGrpSpPr>
+          <p:cNvPr id="3" name="Group 2"/>
+          <p:cNvGrpSpPr/>
           <p:nvPr/>
-        </p:nvPicPr>
-        <p:blipFill rotWithShape="1">
-          <a:blip r:embed="rId3" cstate="print">
-            <a:extLst>
-              <a:ext uri="{28A0092B-C50C-407E-A947-70E740481C1C}">
-                <a14:useLocalDpi xmlns:a14="http://schemas.microsoft.com/office/drawing/2010/main" val="0"/>
-              </a:ext>
-            </a:extLst>
-          </a:blip>
-          <a:srcRect l="-339" t="13054" r="339" b="20280"/>
-          <a:stretch/>
-        </p:blipFill>
-        <p:spPr>
+        </p:nvGrpSpPr>
+        <p:grpSpPr>
           <a:xfrm>
-            <a:off x="8643006" y="5749997"/>
-            <a:ext cx="900000" cy="900000"/>
+            <a:off x="6581858" y="5707764"/>
+            <a:ext cx="5276638" cy="900000"/>
+            <a:chOff x="6690400" y="5749997"/>
+            <a:chExt cx="5276638" cy="900000"/>
           </a:xfrm>
-          <a:prstGeom prst="ellipse">
-            <a:avLst/>
-          </a:prstGeom>
-          <a:noFill/>
-          <a:ln>
+        </p:grpSpPr>
+        <p:pic>
+          <p:nvPicPr>
+            <p:cNvPr id="28" name="Picture 27"/>
+            <p:cNvPicPr>
+              <a:picLocks noChangeAspect="1"/>
+            </p:cNvPicPr>
+            <p:nvPr/>
+          </p:nvPicPr>
+          <p:blipFill rotWithShape="1">
+            <a:blip r:embed="rId3" cstate="print">
+              <a:extLst>
+                <a:ext uri="{28A0092B-C50C-407E-A947-70E740481C1C}">
+                  <a14:useLocalDpi xmlns:a14="http://schemas.microsoft.com/office/drawing/2010/main" val="0"/>
+                </a:ext>
+              </a:extLst>
+            </a:blip>
+            <a:srcRect l="-339" t="13054" r="339" b="20280"/>
+            <a:stretch/>
+          </p:blipFill>
+          <p:spPr>
+            <a:xfrm>
+              <a:off x="8643006" y="5749997"/>
+              <a:ext cx="900000" cy="900000"/>
+            </a:xfrm>
+            <a:prstGeom prst="ellipse">
+              <a:avLst/>
+            </a:prstGeom>
             <a:noFill/>
-          </a:ln>
-        </p:spPr>
-      </p:pic>
-      <p:pic>
-        <p:nvPicPr>
-          <p:cNvPr id="29" name="Picture 28"/>
-          <p:cNvPicPr>
-            <a:picLocks noChangeAspect="1"/>
-          </p:cNvPicPr>
-          <p:nvPr/>
-        </p:nvPicPr>
-        <p:blipFill rotWithShape="1">
-          <a:blip r:embed="rId4" cstate="print">
-            <a:extLst>
-              <a:ext uri="{28A0092B-C50C-407E-A947-70E740481C1C}">
-                <a14:useLocalDpi xmlns:a14="http://schemas.microsoft.com/office/drawing/2010/main" val="0"/>
-              </a:ext>
-            </a:extLst>
-          </a:blip>
-          <a:srcRect t="293" b="293"/>
-          <a:stretch/>
-        </p:blipFill>
-        <p:spPr>
-          <a:xfrm>
-            <a:off x="11067038" y="5749997"/>
-            <a:ext cx="900000" cy="900000"/>
-          </a:xfrm>
-          <a:prstGeom prst="ellipse">
-            <a:avLst/>
-          </a:prstGeom>
-        </p:spPr>
-      </p:pic>
-      <p:sp>
-        <p:nvSpPr>
-          <p:cNvPr id="30" name="TextBox 29"/>
-          <p:cNvSpPr txBox="1"/>
-          <p:nvPr/>
-        </p:nvSpPr>
-        <p:spPr>
-          <a:xfrm>
-            <a:off x="9605050" y="5830665"/>
-            <a:ext cx="1507144" cy="738664"/>
-          </a:xfrm>
-          <a:prstGeom prst="rect">
-            <a:avLst/>
-          </a:prstGeom>
-          <a:noFill/>
-        </p:spPr>
-        <p:txBody>
-          <a:bodyPr wrap="none" rtlCol="0">
-            <a:spAutoFit/>
-          </a:bodyPr>
-          <a:lstStyle/>
-          <a:p>
-            <a:pPr algn="r"/>
-            <a:r>
-              <a:rPr lang="en-GB" sz="1400" b="1" dirty="0" smtClean="0">
+            <a:ln>
+              <a:noFill/>
+            </a:ln>
+          </p:spPr>
+        </p:pic>
+        <p:pic>
+          <p:nvPicPr>
+            <p:cNvPr id="29" name="Picture 28"/>
+            <p:cNvPicPr>
+              <a:picLocks noChangeAspect="1"/>
+            </p:cNvPicPr>
+            <p:nvPr/>
+          </p:nvPicPr>
+          <p:blipFill rotWithShape="1">
+            <a:blip r:embed="rId4" cstate="print">
+              <a:extLst>
+                <a:ext uri="{28A0092B-C50C-407E-A947-70E740481C1C}">
+                  <a14:useLocalDpi xmlns:a14="http://schemas.microsoft.com/office/drawing/2010/main" val="0"/>
+                </a:ext>
+              </a:extLst>
+            </a:blip>
+            <a:srcRect t="293" b="293"/>
+            <a:stretch/>
+          </p:blipFill>
+          <p:spPr>
+            <a:xfrm>
+              <a:off x="11067038" y="5749997"/>
+              <a:ext cx="900000" cy="900000"/>
+            </a:xfrm>
+            <a:prstGeom prst="ellipse">
+              <a:avLst/>
+            </a:prstGeom>
+          </p:spPr>
+        </p:pic>
+        <p:sp>
+          <p:nvSpPr>
+            <p:cNvPr id="30" name="TextBox 29"/>
+            <p:cNvSpPr txBox="1"/>
+            <p:nvPr/>
+          </p:nvSpPr>
+          <p:spPr>
+            <a:xfrm>
+              <a:off x="9605050" y="5830665"/>
+              <a:ext cx="1507144" cy="738664"/>
+            </a:xfrm>
+            <a:prstGeom prst="rect">
+              <a:avLst/>
+            </a:prstGeom>
+            <a:noFill/>
+          </p:spPr>
+          <p:txBody>
+            <a:bodyPr wrap="none" rtlCol="0">
+              <a:spAutoFit/>
+            </a:bodyPr>
+            <a:lstStyle/>
+            <a:p>
+              <a:pPr algn="r"/>
+              <a:r>
+                <a:rPr lang="en-GB" sz="1400" b="1" dirty="0" smtClean="0">
+                  <a:solidFill>
+                    <a:srgbClr val="323232"/>
+                  </a:solidFill>
+                  <a:latin typeface="Helvetica Condensed" panose="020B0606020202030204" pitchFamily="34" charset="0"/>
+                </a:rPr>
+                <a:t>Qi </a:t>
+              </a:r>
+              <a:r>
+                <a:rPr lang="en-GB" sz="1400" b="1" dirty="0" err="1" smtClean="0">
+                  <a:solidFill>
+                    <a:srgbClr val="323232"/>
+                  </a:solidFill>
+                  <a:latin typeface="Helvetica Condensed" panose="020B0606020202030204" pitchFamily="34" charset="0"/>
+                </a:rPr>
+                <a:t>Qi</a:t>
+              </a:r>
+              <a:endParaRPr lang="en-GB" sz="1400" b="1" dirty="0" smtClean="0">
                 <a:solidFill>
                   <a:srgbClr val="323232"/>
                 </a:solidFill>
                 <a:latin typeface="Helvetica Condensed" panose="020B0606020202030204" pitchFamily="34" charset="0"/>
-              </a:rPr>
-              <a:t>Qi </a:t>
-            </a:r>
-            <a:r>
-              <a:rPr lang="en-GB" sz="1400" b="1" dirty="0" err="1" smtClean="0">
+              </a:endParaRPr>
+            </a:p>
+            <a:p>
+              <a:pPr algn="r"/>
+              <a:r>
+                <a:rPr lang="en-GB" sz="1400" dirty="0" smtClean="0">
+                  <a:solidFill>
+                    <a:srgbClr val="323232"/>
+                  </a:solidFill>
+                  <a:latin typeface="Helvetica Condensed" panose="020B0606020202030204" pitchFamily="34" charset="0"/>
+                </a:rPr>
+                <a:t>Research Engineer</a:t>
+              </a:r>
+            </a:p>
+            <a:p>
+              <a:pPr algn="r"/>
+              <a:r>
+                <a:rPr lang="en-GB" sz="1400" dirty="0" smtClean="0">
+                  <a:solidFill>
+                    <a:srgbClr val="323232"/>
+                  </a:solidFill>
+                  <a:latin typeface="Helvetica Condensed" panose="020B0606020202030204" pitchFamily="34" charset="0"/>
+                </a:rPr>
+                <a:t>qiq@sics.se</a:t>
+              </a:r>
+              <a:endParaRPr lang="en-GB" sz="1400" dirty="0">
                 <a:solidFill>
                   <a:srgbClr val="323232"/>
                 </a:solidFill>
                 <a:latin typeface="Helvetica Condensed" panose="020B0606020202030204" pitchFamily="34" charset="0"/>
-              </a:rPr>
-              <a:t>Qi</a:t>
-            </a:r>
-            <a:endParaRPr lang="en-GB" sz="1400" b="1" dirty="0" smtClean="0">
-              <a:solidFill>
-                <a:srgbClr val="323232"/>
-              </a:solidFill>
-              <a:latin typeface="Helvetica Condensed" panose="020B0606020202030204" pitchFamily="34" charset="0"/>
-            </a:endParaRPr>
-          </a:p>
-          <a:p>
-            <a:pPr algn="r"/>
-            <a:r>
-              <a:rPr lang="en-GB" sz="1400" dirty="0" smtClean="0">
+              </a:endParaRPr>
+            </a:p>
+          </p:txBody>
+        </p:sp>
+        <p:sp>
+          <p:nvSpPr>
+            <p:cNvPr id="31" name="TextBox 30"/>
+            <p:cNvSpPr txBox="1"/>
+            <p:nvPr/>
+          </p:nvSpPr>
+          <p:spPr>
+            <a:xfrm>
+              <a:off x="6690400" y="5830665"/>
+              <a:ext cx="2010487" cy="738664"/>
+            </a:xfrm>
+            <a:prstGeom prst="rect">
+              <a:avLst/>
+            </a:prstGeom>
+            <a:noFill/>
+          </p:spPr>
+          <p:txBody>
+            <a:bodyPr wrap="none" rtlCol="0">
+              <a:spAutoFit/>
+            </a:bodyPr>
+            <a:lstStyle/>
+            <a:p>
+              <a:pPr algn="r"/>
+              <a:r>
+                <a:rPr lang="en-GB" sz="1400" b="1" dirty="0" err="1" smtClean="0">
+                  <a:solidFill>
+                    <a:srgbClr val="323232"/>
+                  </a:solidFill>
+                  <a:latin typeface="Helvetica Condensed" panose="020B0606020202030204" pitchFamily="34" charset="0"/>
+                </a:rPr>
+                <a:t>Dr.</a:t>
+              </a:r>
+              <a:r>
+                <a:rPr lang="en-GB" sz="1400" b="1" dirty="0" smtClean="0">
+                  <a:solidFill>
+                    <a:srgbClr val="323232"/>
+                  </a:solidFill>
+                  <a:latin typeface="Helvetica Condensed" panose="020B0606020202030204" pitchFamily="34" charset="0"/>
+                </a:rPr>
+                <a:t> Ahmad Al-</a:t>
+              </a:r>
+              <a:r>
+                <a:rPr lang="en-GB" sz="1400" b="1" dirty="0" err="1" smtClean="0">
+                  <a:solidFill>
+                    <a:srgbClr val="323232"/>
+                  </a:solidFill>
+                  <a:latin typeface="Helvetica Condensed" panose="020B0606020202030204" pitchFamily="34" charset="0"/>
+                </a:rPr>
+                <a:t>Shishtawy</a:t>
+              </a:r>
+              <a:endParaRPr lang="en-GB" sz="1400" b="1" dirty="0" smtClean="0">
                 <a:solidFill>
                   <a:srgbClr val="323232"/>
                 </a:solidFill>
                 <a:latin typeface="Helvetica Condensed" panose="020B0606020202030204" pitchFamily="34" charset="0"/>
-              </a:rPr>
-              <a:t>Research Engineer</a:t>
-            </a:r>
-          </a:p>
-          <a:p>
-            <a:pPr algn="r"/>
-            <a:r>
-              <a:rPr lang="en-GB" sz="1400" dirty="0" smtClean="0">
+              </a:endParaRPr>
+            </a:p>
+            <a:p>
+              <a:pPr algn="r"/>
+              <a:r>
+                <a:rPr lang="en-GB" sz="1400" dirty="0" smtClean="0">
+                  <a:solidFill>
+                    <a:srgbClr val="323232"/>
+                  </a:solidFill>
+                  <a:latin typeface="Helvetica Condensed" panose="020B0606020202030204" pitchFamily="34" charset="0"/>
+                </a:rPr>
+                <a:t>Senior Research Engineer</a:t>
+              </a:r>
+            </a:p>
+            <a:p>
+              <a:pPr algn="r"/>
+              <a:r>
+                <a:rPr lang="en-GB" sz="1400" dirty="0" smtClean="0">
+                  <a:solidFill>
+                    <a:srgbClr val="323232"/>
+                  </a:solidFill>
+                  <a:latin typeface="Helvetica Condensed" panose="020B0606020202030204" pitchFamily="34" charset="0"/>
+                </a:rPr>
+                <a:t>ahmad@sics.se</a:t>
+              </a:r>
+              <a:endParaRPr lang="en-GB" sz="1400" dirty="0">
                 <a:solidFill>
                   <a:srgbClr val="323232"/>
                 </a:solidFill>
                 <a:latin typeface="Helvetica Condensed" panose="020B0606020202030204" pitchFamily="34" charset="0"/>
-              </a:rPr>
-              <a:t>qiq@sics.se</a:t>
-            </a:r>
-            <a:endParaRPr lang="en-GB" sz="1400" dirty="0">
-              <a:solidFill>
-                <a:srgbClr val="323232"/>
-              </a:solidFill>
-              <a:latin typeface="Helvetica Condensed" panose="020B0606020202030204" pitchFamily="34" charset="0"/>
-            </a:endParaRPr>
-          </a:p>
-        </p:txBody>
-      </p:sp>
-      <p:sp>
-        <p:nvSpPr>
-          <p:cNvPr id="31" name="TextBox 30"/>
-          <p:cNvSpPr txBox="1"/>
-          <p:nvPr/>
-        </p:nvSpPr>
-        <p:spPr>
-          <a:xfrm>
-            <a:off x="6690400" y="5830665"/>
-            <a:ext cx="2010487" cy="738664"/>
-          </a:xfrm>
-          <a:prstGeom prst="rect">
-            <a:avLst/>
-          </a:prstGeom>
-          <a:noFill/>
-        </p:spPr>
-        <p:txBody>
-          <a:bodyPr wrap="none" rtlCol="0">
-            <a:spAutoFit/>
-          </a:bodyPr>
-          <a:lstStyle/>
-          <a:p>
-            <a:pPr algn="r"/>
-            <a:r>
-              <a:rPr lang="en-GB" sz="1400" b="1" dirty="0" err="1" smtClean="0">
-                <a:solidFill>
-                  <a:srgbClr val="323232"/>
-                </a:solidFill>
-                <a:latin typeface="Helvetica Condensed" panose="020B0606020202030204" pitchFamily="34" charset="0"/>
-              </a:rPr>
-              <a:t>Dr.</a:t>
-            </a:r>
-            <a:r>
-              <a:rPr lang="en-GB" sz="1400" b="1" dirty="0" smtClean="0">
-                <a:solidFill>
-                  <a:srgbClr val="323232"/>
-                </a:solidFill>
-                <a:latin typeface="Helvetica Condensed" panose="020B0606020202030204" pitchFamily="34" charset="0"/>
-              </a:rPr>
-              <a:t> Ahmad Al-</a:t>
-            </a:r>
-            <a:r>
-              <a:rPr lang="en-GB" sz="1400" b="1" dirty="0" err="1" smtClean="0">
-                <a:solidFill>
-                  <a:srgbClr val="323232"/>
-                </a:solidFill>
-                <a:latin typeface="Helvetica Condensed" panose="020B0606020202030204" pitchFamily="34" charset="0"/>
-              </a:rPr>
-              <a:t>Shishtawy</a:t>
-            </a:r>
-            <a:endParaRPr lang="en-GB" sz="1400" b="1" dirty="0" smtClean="0">
-              <a:solidFill>
-                <a:srgbClr val="323232"/>
-              </a:solidFill>
-              <a:latin typeface="Helvetica Condensed" panose="020B0606020202030204" pitchFamily="34" charset="0"/>
-            </a:endParaRPr>
-          </a:p>
-          <a:p>
-            <a:pPr algn="r"/>
-            <a:r>
-              <a:rPr lang="en-GB" sz="1400" dirty="0" smtClean="0">
-                <a:solidFill>
-                  <a:srgbClr val="323232"/>
-                </a:solidFill>
-                <a:latin typeface="Helvetica Condensed" panose="020B0606020202030204" pitchFamily="34" charset="0"/>
-              </a:rPr>
-              <a:t>Senior Research Engineer</a:t>
-            </a:r>
-          </a:p>
-          <a:p>
-            <a:pPr algn="r"/>
-            <a:r>
-              <a:rPr lang="en-GB" sz="1400" dirty="0" smtClean="0">
-                <a:solidFill>
-                  <a:srgbClr val="323232"/>
-                </a:solidFill>
-                <a:latin typeface="Helvetica Condensed" panose="020B0606020202030204" pitchFamily="34" charset="0"/>
-              </a:rPr>
-              <a:t>ahmad@sics.se</a:t>
-            </a:r>
-            <a:endParaRPr lang="en-GB" sz="1400" dirty="0">
-              <a:solidFill>
-                <a:srgbClr val="323232"/>
-              </a:solidFill>
-              <a:latin typeface="Helvetica Condensed" panose="020B0606020202030204" pitchFamily="34" charset="0"/>
-            </a:endParaRPr>
-          </a:p>
-        </p:txBody>
-      </p:sp>
+              </a:endParaRPr>
+            </a:p>
+          </p:txBody>
+        </p:sp>
+      </p:grpSp>
       <p:pic>
         <p:nvPicPr>
-          <p:cNvPr id="2" name="Picture 1"/>
+          <p:cNvPr id="4" name="Picture 3"/>
           <p:cNvPicPr>
             <a:picLocks noChangeAspect="1"/>
           </p:cNvPicPr>
@@ -3856,8 +3891,8 @@
         </p:blipFill>
         <p:spPr>
           <a:xfrm>
-            <a:off x="10219963" y="175466"/>
-            <a:ext cx="1784461" cy="516905"/>
+            <a:off x="10671362" y="235386"/>
+            <a:ext cx="1187134" cy="343877"/>
           </a:xfrm>
           <a:prstGeom prst="rect">
             <a:avLst/>
@@ -3874,6 +3909,13 @@
   <p:clrMapOvr>
     <a:masterClrMapping/>
   </p:clrMapOvr>
+  <p:timing>
+    <p:tnLst>
+      <p:par>
+        <p:cTn id="1" dur="indefinite" restart="never" nodeType="tmRoot"/>
+      </p:par>
+    </p:tnLst>
+  </p:timing>
 </p:sld>
 </file>
 
